--- a/Clase 13/Clase 13.pptx
+++ b/Clase 13/Clase 13.pptx
@@ -1538,7 +1538,7 @@
           <a:p>
             <a:fld id="{7F8E3347-EFDA-483A-9E95-BDA4F3B6010F}" type="datetimeFigureOut">
               <a:rPr lang="en-US" smtClean="0"/>
-              <a:t>4/20/20</a:t>
+              <a:t>4/20/2020</a:t>
             </a:fld>
             <a:endParaRPr lang="en-US"/>
           </a:p>
@@ -1593,7 +1593,7 @@
                   <a:schemeClr val="dk2"/>
                 </a:solidFill>
               </a:rPr>
-              <a:t>‹#›</a:t>
+              <a:t>‹Nº›</a:t>
             </a:fld>
             <a:endParaRPr lang="es" sz="1000">
               <a:solidFill>
@@ -1764,7 +1764,7 @@
           <a:p>
             <a:fld id="{7F8E3347-EFDA-483A-9E95-BDA4F3B6010F}" type="datetimeFigureOut">
               <a:rPr lang="en-US" smtClean="0"/>
-              <a:t>4/20/20</a:t>
+              <a:t>4/20/2020</a:t>
             </a:fld>
             <a:endParaRPr lang="en-US"/>
           </a:p>
@@ -1819,7 +1819,7 @@
                   <a:schemeClr val="dk2"/>
                 </a:solidFill>
               </a:rPr>
-              <a:t>‹#›</a:t>
+              <a:t>‹Nº›</a:t>
             </a:fld>
             <a:endParaRPr lang="es" sz="1000">
               <a:solidFill>
@@ -2038,7 +2038,7 @@
           <a:p>
             <a:fld id="{7F8E3347-EFDA-483A-9E95-BDA4F3B6010F}" type="datetimeFigureOut">
               <a:rPr lang="en-US" smtClean="0"/>
-              <a:t>4/20/20</a:t>
+              <a:t>4/20/2020</a:t>
             </a:fld>
             <a:endParaRPr lang="en-US"/>
           </a:p>
@@ -2093,7 +2093,7 @@
                   <a:schemeClr val="dk2"/>
                 </a:solidFill>
               </a:rPr>
-              <a:t>‹#›</a:t>
+              <a:t>‹Nº›</a:t>
             </a:fld>
             <a:endParaRPr lang="es" sz="1000">
               <a:solidFill>
@@ -2260,7 +2260,7 @@
           <a:p>
             <a:fld id="{1D8BD707-D9CF-40AE-B4C6-C98DA3205C09}" type="datetimeFigureOut">
               <a:rPr lang="en-US"/>
-              <a:t>4/20/20</a:t>
+              <a:t>4/20/2020</a:t>
             </a:fld>
             <a:endParaRPr lang="en-US"/>
           </a:p>
@@ -2292,7 +2292,7 @@
           </a:lstStyle>
           <a:p>
             <a:fld id="{B6F15528-21DE-4FAA-801E-634DDDAF4B2B}" type="slidenum">
-              <a:t>‹#›</a:t>
+              <a:t>‹Nº›</a:t>
             </a:fld>
             <a:endParaRPr/>
           </a:p>
@@ -2435,7 +2435,7 @@
           <a:p>
             <a:fld id="{1D8BD707-D9CF-40AE-B4C6-C98DA3205C09}" type="datetimeFigureOut">
               <a:rPr lang="en-US"/>
-              <a:t>4/20/20</a:t>
+              <a:t>4/20/2020</a:t>
             </a:fld>
             <a:endParaRPr lang="en-US"/>
           </a:p>
@@ -2467,7 +2467,7 @@
           </a:lstStyle>
           <a:p>
             <a:fld id="{B6F15528-21DE-4FAA-801E-634DDDAF4B2B}" type="slidenum">
-              <a:t>‹#›</a:t>
+              <a:t>‹Nº›</a:t>
             </a:fld>
             <a:endParaRPr/>
           </a:p>
@@ -2649,7 +2649,7 @@
           <a:p>
             <a:fld id="{1D8BD707-D9CF-40AE-B4C6-C98DA3205C09}" type="datetimeFigureOut">
               <a:rPr lang="en-US"/>
-              <a:t>4/20/20</a:t>
+              <a:t>4/20/2020</a:t>
             </a:fld>
             <a:endParaRPr lang="en-US"/>
           </a:p>
@@ -2681,7 +2681,7 @@
           </a:lstStyle>
           <a:p>
             <a:fld id="{B6F15528-21DE-4FAA-801E-634DDDAF4B2B}" type="slidenum">
-              <a:t>‹#›</a:t>
+              <a:t>‹Nº›</a:t>
             </a:fld>
             <a:endParaRPr/>
           </a:p>
@@ -2947,7 +2947,7 @@
           <a:p>
             <a:fld id="{1D8BD707-D9CF-40AE-B4C6-C98DA3205C09}" type="datetimeFigureOut">
               <a:rPr lang="en-US"/>
-              <a:t>4/20/20</a:t>
+              <a:t>4/20/2020</a:t>
             </a:fld>
             <a:endParaRPr lang="en-US"/>
           </a:p>
@@ -2979,7 +2979,7 @@
           </a:lstStyle>
           <a:p>
             <a:fld id="{B6F15528-21DE-4FAA-801E-634DDDAF4B2B}" type="slidenum">
-              <a:t>‹#›</a:t>
+              <a:t>‹Nº›</a:t>
             </a:fld>
             <a:endParaRPr/>
           </a:p>
@@ -3216,7 +3216,7 @@
           <a:p>
             <a:fld id="{1D8BD707-D9CF-40AE-B4C6-C98DA3205C09}" type="datetimeFigureOut">
               <a:rPr lang="en-US"/>
-              <a:t>4/20/20</a:t>
+              <a:t>4/20/2020</a:t>
             </a:fld>
             <a:endParaRPr lang="en-US"/>
           </a:p>
@@ -3248,7 +3248,7 @@
           </a:lstStyle>
           <a:p>
             <a:fld id="{B6F15528-21DE-4FAA-801E-634DDDAF4B2B}" type="slidenum">
-              <a:t>‹#›</a:t>
+              <a:t>‹Nº›</a:t>
             </a:fld>
             <a:endParaRPr/>
           </a:p>
@@ -3371,7 +3371,7 @@
           <a:p>
             <a:fld id="{7F8E3347-EFDA-483A-9E95-BDA4F3B6010F}" type="datetimeFigureOut">
               <a:rPr lang="en-US" smtClean="0"/>
-              <a:t>4/20/20</a:t>
+              <a:t>4/20/2020</a:t>
             </a:fld>
             <a:endParaRPr lang="en-US"/>
           </a:p>
@@ -3426,7 +3426,7 @@
                   <a:schemeClr val="dk2"/>
                 </a:solidFill>
               </a:rPr>
-              <a:t>‹#›</a:t>
+              <a:t>‹Nº›</a:t>
             </a:fld>
             <a:endParaRPr lang="es" sz="1000">
               <a:solidFill>
@@ -3724,7 +3724,7 @@
           <a:p>
             <a:fld id="{7F8E3347-EFDA-483A-9E95-BDA4F3B6010F}" type="datetimeFigureOut">
               <a:rPr lang="en-US" smtClean="0"/>
-              <a:t>4/20/20</a:t>
+              <a:t>4/20/2020</a:t>
             </a:fld>
             <a:endParaRPr lang="en-US"/>
           </a:p>
@@ -3779,7 +3779,7 @@
                   <a:schemeClr val="dk2"/>
                 </a:solidFill>
               </a:rPr>
-              <a:t>‹#›</a:t>
+              <a:t>‹Nº›</a:t>
             </a:fld>
             <a:endParaRPr lang="es" sz="1000">
               <a:solidFill>
@@ -4017,7 +4017,7 @@
           <a:p>
             <a:fld id="{7F8E3347-EFDA-483A-9E95-BDA4F3B6010F}" type="datetimeFigureOut">
               <a:rPr lang="en-US" smtClean="0"/>
-              <a:t>4/20/20</a:t>
+              <a:t>4/20/2020</a:t>
             </a:fld>
             <a:endParaRPr lang="en-US"/>
           </a:p>
@@ -4072,7 +4072,7 @@
                   <a:schemeClr val="dk2"/>
                 </a:solidFill>
               </a:rPr>
-              <a:t>‹#›</a:t>
+              <a:t>‹Nº›</a:t>
             </a:fld>
             <a:endParaRPr lang="es" sz="1000">
               <a:solidFill>
@@ -4414,7 +4414,7 @@
           <a:p>
             <a:fld id="{7F8E3347-EFDA-483A-9E95-BDA4F3B6010F}" type="datetimeFigureOut">
               <a:rPr lang="en-US" smtClean="0"/>
-              <a:t>4/20/20</a:t>
+              <a:t>4/20/2020</a:t>
             </a:fld>
             <a:endParaRPr lang="en-US"/>
           </a:p>
@@ -4469,7 +4469,7 @@
                   <a:schemeClr val="dk2"/>
                 </a:solidFill>
               </a:rPr>
-              <a:t>‹#›</a:t>
+              <a:t>‹Nº›</a:t>
             </a:fld>
             <a:endParaRPr lang="es" sz="1000">
               <a:solidFill>
@@ -4550,7 +4550,7 @@
           <a:p>
             <a:fld id="{7F8E3347-EFDA-483A-9E95-BDA4F3B6010F}" type="datetimeFigureOut">
               <a:rPr lang="en-US" smtClean="0"/>
-              <a:t>4/20/20</a:t>
+              <a:t>4/20/2020</a:t>
             </a:fld>
             <a:endParaRPr lang="en-US"/>
           </a:p>
@@ -4605,7 +4605,7 @@
                   <a:schemeClr val="dk2"/>
                 </a:solidFill>
               </a:rPr>
-              <a:t>‹#›</a:t>
+              <a:t>‹Nº›</a:t>
             </a:fld>
             <a:endParaRPr lang="es" sz="1000">
               <a:solidFill>
@@ -4739,7 +4739,7 @@
           <a:p>
             <a:fld id="{7F8E3347-EFDA-483A-9E95-BDA4F3B6010F}" type="datetimeFigureOut">
               <a:rPr lang="en-US" smtClean="0"/>
-              <a:t>4/20/20</a:t>
+              <a:t>4/20/2020</a:t>
             </a:fld>
             <a:endParaRPr lang="en-US"/>
           </a:p>
@@ -4798,7 +4798,7 @@
             </a:pPr>
             <a:fld id="{00000000-1234-1234-1234-123412341234}" type="slidenum">
               <a:rPr lang="es" smtClean="0"/>
-              <a:t>‹#›</a:t>
+              <a:t>‹Nº›</a:t>
             </a:fld>
             <a:endParaRPr lang="es"/>
           </a:p>
@@ -5102,7 +5102,7 @@
           <a:p>
             <a:fld id="{7F8E3347-EFDA-483A-9E95-BDA4F3B6010F}" type="datetimeFigureOut">
               <a:rPr lang="en-US" smtClean="0"/>
-              <a:t>4/20/20</a:t>
+              <a:t>4/20/2020</a:t>
             </a:fld>
             <a:endParaRPr lang="en-US"/>
           </a:p>
@@ -5178,7 +5178,7 @@
                   <a:schemeClr val="dk2"/>
                 </a:solidFill>
               </a:rPr>
-              <a:t>‹#›</a:t>
+              <a:t>‹Nº›</a:t>
             </a:fld>
             <a:endParaRPr lang="es" sz="1000">
               <a:solidFill>
@@ -5497,7 +5497,7 @@
           <a:p>
             <a:fld id="{7F8E3347-EFDA-483A-9E95-BDA4F3B6010F}" type="datetimeFigureOut">
               <a:rPr lang="en-US" smtClean="0"/>
-              <a:t>4/20/20</a:t>
+              <a:t>4/20/2020</a:t>
             </a:fld>
             <a:endParaRPr lang="en-US"/>
           </a:p>
@@ -5552,7 +5552,7 @@
                   <a:schemeClr val="dk2"/>
                 </a:solidFill>
               </a:rPr>
-              <a:t>‹#›</a:t>
+              <a:t>‹Nº›</a:t>
             </a:fld>
             <a:endParaRPr lang="es" sz="1000">
               <a:solidFill>
@@ -5802,7 +5802,7 @@
           <a:p>
             <a:fld id="{7F8E3347-EFDA-483A-9E95-BDA4F3B6010F}" type="datetimeFigureOut">
               <a:rPr lang="en-US" smtClean="0"/>
-              <a:t>4/20/20</a:t>
+              <a:t>4/20/2020</a:t>
             </a:fld>
             <a:endParaRPr lang="en-US"/>
           </a:p>
@@ -5889,7 +5889,7 @@
                   <a:schemeClr val="dk2"/>
                 </a:solidFill>
               </a:rPr>
-              <a:t>‹#›</a:t>
+              <a:t>‹Nº›</a:t>
             </a:fld>
             <a:endParaRPr lang="es" sz="1000">
               <a:solidFill>
@@ -6646,7 +6646,7 @@
           <a:p>
             <a:fld id="{1D8BD707-D9CF-40AE-B4C6-C98DA3205C09}" type="datetimeFigureOut">
               <a:rPr lang="en-US"/>
-              <a:t>4/20/20</a:t>
+              <a:t>4/20/2020</a:t>
             </a:fld>
             <a:endParaRPr lang="en-US"/>
           </a:p>
@@ -6688,7 +6688,7 @@
           </a:lstStyle>
           <a:p>
             <a:fld id="{B6F15528-21DE-4FAA-801E-634DDDAF4B2B}" type="slidenum">
-              <a:t>‹#›</a:t>
+              <a:t>‹Nº›</a:t>
             </a:fld>
             <a:endParaRPr/>
           </a:p>
@@ -6934,13 +6934,10 @@
               <a:buNone/>
             </a:pPr>
             <a:r>
-              <a:rPr lang="es-ES" dirty="0"/>
-              <a:t>CONSUMO DE</a:t>
-            </a:r>
-            <a:r>
-              <a:rPr lang="es" dirty="0"/>
-              <a:t> API REST</a:t>
-            </a:r>
+              <a:rPr lang="es-ES" dirty="0" smtClean="0"/>
+              <a:t>STORAGE</a:t>
+            </a:r>
+            <a:endParaRPr lang="es" dirty="0"/>
           </a:p>
           <a:p>
             <a:pPr marL="0" lvl="0" indent="0">
@@ -7052,6 +7049,13 @@
   <p:clrMapOvr>
     <a:masterClrMapping/>
   </p:clrMapOvr>
+  <p:timing>
+    <p:tnLst>
+      <p:par>
+        <p:cTn id="1" dur="indefinite" restart="never" nodeType="tmRoot"/>
+      </p:par>
+    </p:tnLst>
+  </p:timing>
 </p:sld>
 </file>
 
@@ -7900,6 +7904,122 @@
           </a:p>
         </p:txBody>
       </p:sp>
+      <p:sp>
+        <p:nvSpPr>
+          <p:cNvPr id="15" name="Oval 14">
+            <a:extLst>
+              <a:ext uri="{FF2B5EF4-FFF2-40B4-BE49-F238E27FC236}">
+                <a16:creationId xmlns:a16="http://schemas.microsoft.com/office/drawing/2014/main" id="{223707F1-5A67-3B40-A023-37E4EDA5AC08}"/>
+              </a:ext>
+            </a:extLst>
+          </p:cNvPr>
+          <p:cNvSpPr/>
+          <p:nvPr/>
+        </p:nvSpPr>
+        <p:spPr>
+          <a:xfrm>
+            <a:off x="4932571" y="2601760"/>
+            <a:ext cx="360000" cy="360000"/>
+          </a:xfrm>
+          <a:prstGeom prst="ellipse">
+            <a:avLst/>
+          </a:prstGeom>
+        </p:spPr>
+        <p:style>
+          <a:lnRef idx="2">
+            <a:schemeClr val="accent1">
+              <a:shade val="50000"/>
+            </a:schemeClr>
+          </a:lnRef>
+          <a:fillRef idx="1">
+            <a:schemeClr val="accent1"/>
+          </a:fillRef>
+          <a:effectRef idx="0">
+            <a:schemeClr val="accent1"/>
+          </a:effectRef>
+          <a:fontRef idx="minor">
+            <a:schemeClr val="lt1"/>
+          </a:fontRef>
+        </p:style>
+        <p:txBody>
+          <a:bodyPr rtlCol="0" anchor="ctr"/>
+          <a:lstStyle/>
+          <a:p>
+            <a:pPr algn="ctr"/>
+            <a:r>
+              <a:rPr lang="en-US" sz="2000" b="1" dirty="0">
+                <a:solidFill>
+                  <a:schemeClr val="bg1"/>
+                </a:solidFill>
+              </a:rPr>
+              <a:t>2</a:t>
+            </a:r>
+            <a:endParaRPr lang="en-US" b="1" dirty="0">
+              <a:solidFill>
+                <a:schemeClr val="bg1"/>
+              </a:solidFill>
+            </a:endParaRPr>
+          </a:p>
+        </p:txBody>
+      </p:sp>
+      <p:sp>
+        <p:nvSpPr>
+          <p:cNvPr id="16" name="Oval 15">
+            <a:extLst>
+              <a:ext uri="{FF2B5EF4-FFF2-40B4-BE49-F238E27FC236}">
+                <a16:creationId xmlns:a16="http://schemas.microsoft.com/office/drawing/2014/main" id="{AC42150F-DBA2-A74C-8852-74EAD0F7B67A}"/>
+              </a:ext>
+            </a:extLst>
+          </p:cNvPr>
+          <p:cNvSpPr/>
+          <p:nvPr/>
+        </p:nvSpPr>
+        <p:spPr>
+          <a:xfrm>
+            <a:off x="4931232" y="1672450"/>
+            <a:ext cx="360000" cy="360000"/>
+          </a:xfrm>
+          <a:prstGeom prst="ellipse">
+            <a:avLst/>
+          </a:prstGeom>
+        </p:spPr>
+        <p:style>
+          <a:lnRef idx="2">
+            <a:schemeClr val="accent1">
+              <a:shade val="50000"/>
+            </a:schemeClr>
+          </a:lnRef>
+          <a:fillRef idx="1">
+            <a:schemeClr val="accent1"/>
+          </a:fillRef>
+          <a:effectRef idx="0">
+            <a:schemeClr val="accent1"/>
+          </a:effectRef>
+          <a:fontRef idx="minor">
+            <a:schemeClr val="lt1"/>
+          </a:fontRef>
+        </p:style>
+        <p:txBody>
+          <a:bodyPr rtlCol="0" anchor="ctr"/>
+          <a:lstStyle/>
+          <a:p>
+            <a:pPr algn="ctr"/>
+            <a:r>
+              <a:rPr lang="en-US" sz="2000" b="1" dirty="0">
+                <a:solidFill>
+                  <a:schemeClr val="bg1"/>
+                </a:solidFill>
+              </a:rPr>
+              <a:t>1</a:t>
+            </a:r>
+            <a:endParaRPr lang="en-US" b="1" dirty="0">
+              <a:solidFill>
+                <a:schemeClr val="bg1"/>
+              </a:solidFill>
+            </a:endParaRPr>
+          </a:p>
+        </p:txBody>
+      </p:sp>
     </p:spTree>
     <p:extLst>
       <p:ext uri="{BB962C8B-B14F-4D97-AF65-F5344CB8AC3E}">
@@ -7910,6 +8030,13 @@
   <p:clrMapOvr>
     <a:masterClrMapping/>
   </p:clrMapOvr>
+  <p:timing>
+    <p:tnLst>
+      <p:par>
+        <p:cTn id="1" dur="indefinite" restart="never" nodeType="tmRoot"/>
+      </p:par>
+    </p:tnLst>
+  </p:timing>
 </p:sld>
 </file>
 
@@ -8529,7 +8656,7 @@
         <p:spPr>
           <a:xfrm>
             <a:off x="3556943" y="3651504"/>
-            <a:ext cx="3258361" cy="954107"/>
+            <a:ext cx="3258361" cy="523220"/>
           </a:xfrm>
           <a:prstGeom prst="rect">
             <a:avLst/>
@@ -8543,23 +8670,31 @@
           <a:lstStyle/>
           <a:p>
             <a:r>
-              <a:rPr lang="en-US" dirty="0">
-                <a:solidFill>
-                  <a:schemeClr val="tx1"/>
-                </a:solidFill>
-              </a:rPr>
-              <a:t>Si </a:t>
-            </a:r>
-            <a:r>
-              <a:rPr lang="en-US" dirty="0" err="1">
-                <a:solidFill>
-                  <a:schemeClr val="tx1"/>
-                </a:solidFill>
-              </a:rPr>
-              <a:t>está</a:t>
-            </a:r>
-            <a:r>
-              <a:rPr lang="en-US" dirty="0">
+              <a:rPr lang="en-US" dirty="0" err="1" smtClean="0">
+                <a:solidFill>
+                  <a:schemeClr val="tx1"/>
+                </a:solidFill>
+              </a:rPr>
+              <a:t>Dentro</a:t>
+            </a:r>
+            <a:r>
+              <a:rPr lang="en-US" dirty="0" smtClean="0">
+                <a:solidFill>
+                  <a:schemeClr val="tx1"/>
+                </a:solidFill>
+              </a:rPr>
+              <a:t> del </a:t>
+            </a:r>
+            <a:r>
+              <a:rPr lang="en-US" dirty="0" err="1" smtClean="0">
+                <a:solidFill>
+                  <a:schemeClr val="tx1"/>
+                </a:solidFill>
+              </a:rPr>
+              <a:t>objeto</a:t>
+            </a:r>
+            <a:r>
+              <a:rPr lang="en-US" dirty="0" smtClean="0">
                 <a:solidFill>
                   <a:schemeClr val="tx1"/>
                 </a:solidFill>
@@ -8567,15 +8702,15 @@
               <a:t> </a:t>
             </a:r>
             <a:r>
-              <a:rPr lang="en-US" dirty="0" err="1">
-                <a:solidFill>
-                  <a:schemeClr val="tx1"/>
-                </a:solidFill>
-              </a:rPr>
-              <a:t>subiendo</a:t>
-            </a:r>
-            <a:r>
-              <a:rPr lang="en-US" dirty="0">
+              <a:rPr lang="en-US" dirty="0" err="1" smtClean="0">
+                <a:solidFill>
+                  <a:schemeClr val="tx1"/>
+                </a:solidFill>
+              </a:rPr>
+              <a:t>puede</a:t>
+            </a:r>
+            <a:r>
+              <a:rPr lang="en-US" dirty="0" smtClean="0">
                 <a:solidFill>
                   <a:schemeClr val="tx1"/>
                 </a:solidFill>
@@ -8583,172 +8718,52 @@
               <a:t> </a:t>
             </a:r>
             <a:r>
-              <a:rPr lang="en-US" dirty="0" err="1">
-                <a:solidFill>
-                  <a:schemeClr val="tx1"/>
-                </a:solidFill>
-              </a:rPr>
-              <a:t>algún</a:t>
-            </a:r>
-            <a:r>
-              <a:rPr lang="en-US" dirty="0">
-                <a:solidFill>
-                  <a:schemeClr val="tx1"/>
-                </a:solidFill>
-              </a:rPr>
-              <a:t> </a:t>
-            </a:r>
-            <a:r>
-              <a:rPr lang="en-US" dirty="0" err="1">
-                <a:solidFill>
-                  <a:schemeClr val="tx1"/>
-                </a:solidFill>
-              </a:rPr>
-              <a:t>modelo</a:t>
-            </a:r>
-            <a:r>
-              <a:rPr lang="en-US" dirty="0">
-                <a:solidFill>
-                  <a:schemeClr val="tx1"/>
-                </a:solidFill>
-              </a:rPr>
-              <a:t> con un </a:t>
-            </a:r>
-            <a:r>
-              <a:rPr lang="en-US" dirty="0" err="1">
-                <a:solidFill>
-                  <a:schemeClr val="tx1"/>
-                </a:solidFill>
-              </a:rPr>
-              <a:t>archivo</a:t>
-            </a:r>
-            <a:r>
-              <a:rPr lang="en-US" dirty="0">
-                <a:solidFill>
-                  <a:schemeClr val="tx1"/>
-                </a:solidFill>
-              </a:rPr>
-              <a:t> </a:t>
-            </a:r>
-            <a:r>
-              <a:rPr lang="en-US" dirty="0" err="1">
-                <a:solidFill>
-                  <a:schemeClr val="tx1"/>
-                </a:solidFill>
-              </a:rPr>
-              <a:t>adjunto</a:t>
-            </a:r>
-            <a:r>
-              <a:rPr lang="en-US" dirty="0">
-                <a:solidFill>
-                  <a:schemeClr val="tx1"/>
-                </a:solidFill>
-              </a:rPr>
-              <a:t>, </a:t>
-            </a:r>
-            <a:r>
-              <a:rPr lang="en-US" dirty="0" err="1">
-                <a:solidFill>
-                  <a:schemeClr val="tx1"/>
-                </a:solidFill>
-              </a:rPr>
-              <a:t>hágalo</a:t>
-            </a:r>
-            <a:r>
-              <a:rPr lang="en-US" dirty="0">
-                <a:solidFill>
-                  <a:schemeClr val="tx1"/>
-                </a:solidFill>
-              </a:rPr>
-              <a:t> de forma </a:t>
-            </a:r>
-            <a:r>
-              <a:rPr lang="en-US" dirty="0" err="1">
-                <a:solidFill>
-                  <a:schemeClr val="tx1"/>
-                </a:solidFill>
-              </a:rPr>
-              <a:t>secuencial</a:t>
-            </a:r>
-            <a:r>
-              <a:rPr lang="en-US" dirty="0">
-                <a:solidFill>
-                  <a:schemeClr val="tx1"/>
-                </a:solidFill>
-              </a:rPr>
-              <a:t>: (1) </a:t>
-            </a:r>
-            <a:r>
-              <a:rPr lang="en-US" dirty="0" err="1">
-                <a:solidFill>
-                  <a:schemeClr val="tx1"/>
-                </a:solidFill>
-              </a:rPr>
-              <a:t>subir</a:t>
-            </a:r>
-            <a:r>
-              <a:rPr lang="en-US" dirty="0">
-                <a:solidFill>
-                  <a:schemeClr val="tx1"/>
-                </a:solidFill>
-              </a:rPr>
-              <a:t> </a:t>
-            </a:r>
-            <a:r>
-              <a:rPr lang="en-US" dirty="0" err="1">
-                <a:solidFill>
-                  <a:schemeClr val="tx1"/>
-                </a:solidFill>
-              </a:rPr>
-              <a:t>adjunto</a:t>
-            </a:r>
-            <a:r>
-              <a:rPr lang="en-US" dirty="0">
-                <a:solidFill>
-                  <a:schemeClr val="tx1"/>
-                </a:solidFill>
-              </a:rPr>
-              <a:t>, (2) </a:t>
-            </a:r>
-            <a:r>
-              <a:rPr lang="en-US" dirty="0" err="1">
-                <a:solidFill>
-                  <a:schemeClr val="tx1"/>
-                </a:solidFill>
-              </a:rPr>
-              <a:t>subir</a:t>
-            </a:r>
-            <a:r>
-              <a:rPr lang="en-US" dirty="0">
-                <a:solidFill>
-                  <a:schemeClr val="tx1"/>
-                </a:solidFill>
-              </a:rPr>
-              <a:t> </a:t>
-            </a:r>
-            <a:r>
-              <a:rPr lang="en-US" dirty="0" err="1">
-                <a:solidFill>
-                  <a:schemeClr val="tx1"/>
-                </a:solidFill>
-              </a:rPr>
-              <a:t>datos</a:t>
-            </a:r>
-            <a:r>
-              <a:rPr lang="en-US" dirty="0">
-                <a:solidFill>
-                  <a:schemeClr val="tx1"/>
-                </a:solidFill>
-              </a:rPr>
-              <a:t> del </a:t>
-            </a:r>
-            <a:r>
-              <a:rPr lang="en-US" dirty="0" err="1">
-                <a:solidFill>
-                  <a:schemeClr val="tx1"/>
-                </a:solidFill>
-              </a:rPr>
-              <a:t>modelo</a:t>
+              <a:rPr lang="en-US" dirty="0" err="1" smtClean="0">
+                <a:solidFill>
+                  <a:schemeClr val="tx1"/>
+                </a:solidFill>
+              </a:rPr>
+              <a:t>almacenar</a:t>
+            </a:r>
+            <a:r>
+              <a:rPr lang="en-US" dirty="0" smtClean="0">
+                <a:solidFill>
+                  <a:schemeClr val="tx1"/>
+                </a:solidFill>
+              </a:rPr>
+              <a:t> la </a:t>
+            </a:r>
+            <a:r>
+              <a:rPr lang="en-US" dirty="0" err="1" smtClean="0">
+                <a:solidFill>
+                  <a:schemeClr val="tx1"/>
+                </a:solidFill>
+              </a:rPr>
+              <a:t>ruta</a:t>
+            </a:r>
+            <a:r>
+              <a:rPr lang="en-US" dirty="0" smtClean="0">
+                <a:solidFill>
+                  <a:schemeClr val="tx1"/>
+                </a:solidFill>
+              </a:rPr>
+              <a:t> o la </a:t>
+            </a:r>
+            <a:r>
+              <a:rPr lang="en-US" dirty="0" err="1" smtClean="0">
+                <a:solidFill>
+                  <a:schemeClr val="tx1"/>
+                </a:solidFill>
+              </a:rPr>
+              <a:t>referencia</a:t>
+            </a:r>
+            <a:r>
+              <a:rPr lang="en-US" dirty="0" smtClean="0">
+                <a:solidFill>
+                  <a:schemeClr val="tx1"/>
+                </a:solidFill>
+              </a:rPr>
+              <a:t> a firebase storage.</a:t>
             </a:r>
             <a:endParaRPr lang="en-US" dirty="0">
               <a:solidFill>
@@ -8884,6 +8899,13 @@
   <p:clrMapOvr>
     <a:masterClrMapping/>
   </p:clrMapOvr>
+  <p:timing>
+    <p:tnLst>
+      <p:par>
+        <p:cTn id="1" dur="indefinite" restart="never" nodeType="tmRoot"/>
+      </p:par>
+    </p:tnLst>
+  </p:timing>
 </p:sld>
 </file>
 
@@ -9048,6 +9070,13 @@
   <p:clrMapOvr>
     <a:masterClrMapping/>
   </p:clrMapOvr>
+  <p:timing>
+    <p:tnLst>
+      <p:par>
+        <p:cTn id="1" dur="indefinite" restart="never" nodeType="tmRoot"/>
+      </p:par>
+    </p:tnLst>
+  </p:timing>
 </p:sld>
 </file>
 
@@ -9725,6 +9754,13 @@
   <p:clrMapOvr>
     <a:masterClrMapping/>
   </p:clrMapOvr>
+  <p:timing>
+    <p:tnLst>
+      <p:par>
+        <p:cTn id="1" dur="indefinite" restart="never" nodeType="tmRoot"/>
+      </p:par>
+    </p:tnLst>
+  </p:timing>
 </p:sld>
 </file>
 
@@ -10402,6 +10438,13 @@
   <p:clrMapOvr>
     <a:masterClrMapping/>
   </p:clrMapOvr>
+  <p:timing>
+    <p:tnLst>
+      <p:par>
+        <p:cTn id="1" dur="indefinite" restart="never" nodeType="tmRoot"/>
+      </p:par>
+    </p:tnLst>
+  </p:timing>
 </p:sld>
 </file>
 
@@ -11091,6 +11134,13 @@
   <p:clrMapOvr>
     <a:masterClrMapping/>
   </p:clrMapOvr>
+  <p:timing>
+    <p:tnLst>
+      <p:par>
+        <p:cTn id="1" dur="indefinite" restart="never" nodeType="tmRoot"/>
+      </p:par>
+    </p:tnLst>
+  </p:timing>
 </p:sld>
 </file>
 
@@ -11769,6 +11819,13 @@
   <p:clrMapOvr>
     <a:masterClrMapping/>
   </p:clrMapOvr>
+  <p:timing>
+    <p:tnLst>
+      <p:par>
+        <p:cTn id="1" dur="indefinite" restart="never" nodeType="tmRoot"/>
+      </p:par>
+    </p:tnLst>
+  </p:timing>
 </p:sld>
 </file>
 
@@ -12862,6 +12919,13 @@
   <p:clrMapOvr>
     <a:masterClrMapping/>
   </p:clrMapOvr>
+  <p:timing>
+    <p:tnLst>
+      <p:par>
+        <p:cTn id="1" dur="indefinite" restart="never" nodeType="tmRoot"/>
+      </p:par>
+    </p:tnLst>
+  </p:timing>
 </p:sld>
 </file>
 
@@ -13050,6 +13114,13 @@
   <p:clrMapOvr>
     <a:masterClrMapping/>
   </p:clrMapOvr>
+  <p:timing>
+    <p:tnLst>
+      <p:par>
+        <p:cTn id="1" dur="indefinite" restart="never" nodeType="tmRoot"/>
+      </p:par>
+    </p:tnLst>
+  </p:timing>
 </p:sld>
 </file>
 
@@ -14143,6 +14214,13 @@
   <p:clrMapOvr>
     <a:masterClrMapping/>
   </p:clrMapOvr>
+  <p:timing>
+    <p:tnLst>
+      <p:par>
+        <p:cTn id="1" dur="indefinite" restart="never" nodeType="tmRoot"/>
+      </p:par>
+    </p:tnLst>
+  </p:timing>
 </p:sld>
 </file>
 
@@ -14295,6 +14373,13 @@
   <p:clrMapOvr>
     <a:masterClrMapping/>
   </p:clrMapOvr>
+  <p:timing>
+    <p:tnLst>
+      <p:par>
+        <p:cTn id="1" dur="indefinite" restart="never" nodeType="tmRoot"/>
+      </p:par>
+    </p:tnLst>
+  </p:timing>
 </p:sld>
 </file>
 
@@ -15994,6 +16079,13 @@
   <p:clrMapOvr>
     <a:masterClrMapping/>
   </p:clrMapOvr>
+  <p:timing>
+    <p:tnLst>
+      <p:par>
+        <p:cTn id="1" dur="indefinite" restart="never" nodeType="tmRoot"/>
+      </p:par>
+    </p:tnLst>
+  </p:timing>
 </p:sld>
 </file>
 
@@ -17717,6 +17809,13 @@
   <p:clrMapOvr>
     <a:masterClrMapping/>
   </p:clrMapOvr>
+  <p:timing>
+    <p:tnLst>
+      <p:par>
+        <p:cTn id="1" dur="indefinite" restart="never" nodeType="tmRoot"/>
+      </p:par>
+    </p:tnLst>
+  </p:timing>
 </p:sld>
 </file>
 
@@ -19395,6 +19494,13 @@
   <p:clrMapOvr>
     <a:masterClrMapping/>
   </p:clrMapOvr>
+  <p:timing>
+    <p:tnLst>
+      <p:par>
+        <p:cTn id="1" dur="indefinite" restart="never" nodeType="tmRoot"/>
+      </p:par>
+    </p:tnLst>
+  </p:timing>
 </p:sld>
 </file>
 
@@ -21016,6 +21122,13 @@
   <p:clrMapOvr>
     <a:masterClrMapping/>
   </p:clrMapOvr>
+  <p:timing>
+    <p:tnLst>
+      <p:par>
+        <p:cTn id="1" dur="indefinite" restart="never" nodeType="tmRoot"/>
+      </p:par>
+    </p:tnLst>
+  </p:timing>
 </p:sld>
 </file>
 
@@ -22694,6 +22807,13 @@
   <p:clrMapOvr>
     <a:masterClrMapping/>
   </p:clrMapOvr>
+  <p:timing>
+    <p:tnLst>
+      <p:par>
+        <p:cTn id="1" dur="indefinite" restart="never" nodeType="tmRoot"/>
+      </p:par>
+    </p:tnLst>
+  </p:timing>
 </p:sld>
 </file>
 
@@ -24417,6 +24537,13 @@
   <p:clrMapOvr>
     <a:masterClrMapping/>
   </p:clrMapOvr>
+  <p:timing>
+    <p:tnLst>
+      <p:par>
+        <p:cTn id="1" dur="indefinite" restart="never" nodeType="tmRoot"/>
+      </p:par>
+    </p:tnLst>
+  </p:timing>
 </p:sld>
 </file>
 
@@ -26140,6 +26267,13 @@
   <p:clrMapOvr>
     <a:masterClrMapping/>
   </p:clrMapOvr>
+  <p:timing>
+    <p:tnLst>
+      <p:par>
+        <p:cTn id="1" dur="indefinite" restart="never" nodeType="tmRoot"/>
+      </p:par>
+    </p:tnLst>
+  </p:timing>
 </p:sld>
 </file>
 
@@ -27609,6 +27743,13 @@
   <p:clrMapOvr>
     <a:masterClrMapping/>
   </p:clrMapOvr>
+  <p:timing>
+    <p:tnLst>
+      <p:par>
+        <p:cTn id="1" dur="indefinite" restart="never" nodeType="tmRoot"/>
+      </p:par>
+    </p:tnLst>
+  </p:timing>
 </p:sld>
 </file>
 
@@ -29219,6 +29360,13 @@
   <p:clrMapOvr>
     <a:masterClrMapping/>
   </p:clrMapOvr>
+  <p:timing>
+    <p:tnLst>
+      <p:par>
+        <p:cTn id="1" dur="indefinite" restart="never" nodeType="tmRoot"/>
+      </p:par>
+    </p:tnLst>
+  </p:timing>
 </p:sld>
 </file>
 
@@ -31169,6 +31317,13 @@
   <p:clrMapOvr>
     <a:masterClrMapping/>
   </p:clrMapOvr>
+  <p:timing>
+    <p:tnLst>
+      <p:par>
+        <p:cTn id="1" dur="indefinite" restart="never" nodeType="tmRoot"/>
+      </p:par>
+    </p:tnLst>
+  </p:timing>
 </p:sld>
 </file>
 
@@ -31603,6 +31758,13 @@
   <p:clrMapOvr>
     <a:masterClrMapping/>
   </p:clrMapOvr>
+  <p:timing>
+    <p:tnLst>
+      <p:par>
+        <p:cTn id="1" dur="indefinite" restart="never" nodeType="tmRoot"/>
+      </p:par>
+    </p:tnLst>
+  </p:timing>
 </p:sld>
 </file>
 
@@ -33328,6 +33490,13 @@
   <p:clrMapOvr>
     <a:masterClrMapping/>
   </p:clrMapOvr>
+  <p:timing>
+    <p:tnLst>
+      <p:par>
+        <p:cTn id="1" dur="indefinite" restart="never" nodeType="tmRoot"/>
+      </p:par>
+    </p:tnLst>
+  </p:timing>
 </p:sld>
 </file>
 
@@ -33486,6 +33655,13 @@
   <p:clrMapOvr>
     <a:masterClrMapping/>
   </p:clrMapOvr>
+  <p:timing>
+    <p:tnLst>
+      <p:par>
+        <p:cTn id="1" dur="indefinite" restart="never" nodeType="tmRoot"/>
+      </p:par>
+    </p:tnLst>
+  </p:timing>
 </p:sld>
 </file>
 
@@ -33982,6 +34158,13 @@
   <p:clrMapOvr>
     <a:masterClrMapping/>
   </p:clrMapOvr>
+  <p:timing>
+    <p:tnLst>
+      <p:par>
+        <p:cTn id="1" dur="indefinite" restart="never" nodeType="tmRoot"/>
+      </p:par>
+    </p:tnLst>
+  </p:timing>
 </p:sld>
 </file>
 
@@ -34568,6 +34751,13 @@
   <p:clrMapOvr>
     <a:masterClrMapping/>
   </p:clrMapOvr>
+  <p:timing>
+    <p:tnLst>
+      <p:par>
+        <p:cTn id="1" dur="indefinite" restart="never" nodeType="tmRoot"/>
+      </p:par>
+    </p:tnLst>
+  </p:timing>
 </p:sld>
 </file>
 
@@ -34720,6 +34910,13 @@
   <p:clrMapOvr>
     <a:masterClrMapping/>
   </p:clrMapOvr>
+  <p:timing>
+    <p:tnLst>
+      <p:par>
+        <p:cTn id="1" dur="indefinite" restart="never" nodeType="tmRoot"/>
+      </p:par>
+    </p:tnLst>
+  </p:timing>
 </p:sld>
 </file>
 
@@ -35208,6 +35405,13 @@
   <p:clrMapOvr>
     <a:masterClrMapping/>
   </p:clrMapOvr>
+  <p:timing>
+    <p:tnLst>
+      <p:par>
+        <p:cTn id="1" dur="indefinite" restart="never" nodeType="tmRoot"/>
+      </p:par>
+    </p:tnLst>
+  </p:timing>
 </p:sld>
 </file>
 
